--- a/final/gege-final.pptx
+++ b/final/gege-final.pptx
@@ -5,7 +5,7 @@
     <p:sldMasterId id="2147483677" r:id="rId1"/>
   </p:sldMasterIdLst>
   <p:notesMasterIdLst>
-    <p:notesMasterId r:id="rId16"/>
+    <p:notesMasterId r:id="rId17"/>
   </p:notesMasterIdLst>
   <p:sldIdLst>
     <p:sldId id="256" r:id="rId2"/>
@@ -20,8 +20,9 @@
     <p:sldId id="262" r:id="rId11"/>
     <p:sldId id="263" r:id="rId12"/>
     <p:sldId id="265" r:id="rId13"/>
-    <p:sldId id="273" r:id="rId14"/>
-    <p:sldId id="275" r:id="rId15"/>
+    <p:sldId id="276" r:id="rId14"/>
+    <p:sldId id="273" r:id="rId15"/>
+    <p:sldId id="275" r:id="rId16"/>
   </p:sldIdLst>
   <p:sldSz cx="12192000" cy="6858000"/>
   <p:notesSz cx="6858000" cy="9144000"/>
@@ -4098,32 +4099,26 @@
         <p:spPr>
           <a:xfrm>
             <a:off x="77705" y="1663056"/>
-            <a:ext cx="11762360" cy="2013850"/>
+            <a:ext cx="11762360" cy="1614400"/>
           </a:xfrm>
         </p:spPr>
         <p:txBody>
           <a:bodyPr>
-            <a:normAutofit fontScale="90000"/>
+            <a:normAutofit/>
           </a:bodyPr>
           <a:lstStyle/>
           <a:p>
             <a:pPr algn="ctr"/>
+            <a:r>
+              <a:rPr lang="en-US" dirty="0"/>
+              <a:t>personal income and expenditure</a:t>
+            </a:r>
             <a:br>
               <a:rPr lang="en-US" dirty="0"/>
             </a:br>
-            <a:br>
+            <a:r>
               <a:rPr lang="en-US" dirty="0"/>
-            </a:br>
-            <a:r>
-              <a:rPr lang="en-US" dirty="0"/>
-              <a:t>personal income and expenditure</a:t>
-            </a:r>
-            <a:br>
-              <a:rPr lang="en-US" dirty="0"/>
-            </a:br>
-            <a:r>
-              <a:rPr lang="en-US" dirty="0"/>
-              <a:t>about New York </a:t>
+              <a:t>IN New York </a:t>
             </a:r>
           </a:p>
         </p:txBody>
@@ -4219,7 +4214,7 @@
         </p:nvSpPr>
         <p:spPr>
           <a:xfrm>
-            <a:off x="215107" y="364148"/>
+            <a:off x="215107" y="333325"/>
             <a:ext cx="11761786" cy="707886"/>
           </a:xfrm>
           <a:prstGeom prst="rect">
@@ -4238,7 +4233,7 @@
               <a:rPr lang="en-US" sz="4000" b="1" dirty="0">
                 <a:latin typeface="Calibri Light (Headings)"/>
               </a:rPr>
-              <a:t>proportion of housing, transportation and food</a:t>
+              <a:t>Proportion of housing, transportation and food</a:t>
             </a:r>
           </a:p>
         </p:txBody>
@@ -4265,7 +4260,7 @@
         </p:blipFill>
         <p:spPr>
           <a:xfrm>
-            <a:off x="477323" y="1232374"/>
+            <a:off x="477323" y="1232375"/>
             <a:ext cx="5676932" cy="4566863"/>
           </a:xfrm>
           <a:prstGeom prst="rect">
@@ -4295,7 +4290,7 @@
         </p:blipFill>
         <p:spPr>
           <a:xfrm>
-            <a:off x="6167554" y="1232373"/>
+            <a:off x="6157280" y="1232373"/>
             <a:ext cx="5557397" cy="4566863"/>
           </a:xfrm>
           <a:prstGeom prst="rect">
@@ -4392,7 +4387,7 @@
         <p:spPr>
           <a:xfrm>
             <a:off x="1206190" y="1199022"/>
-            <a:ext cx="9779619" cy="5179481"/>
+            <a:ext cx="9920722" cy="5179481"/>
           </a:xfrm>
           <a:prstGeom prst="rect">
             <a:avLst/>
@@ -4447,8 +4442,8 @@
         </p:nvSpPr>
         <p:spPr>
           <a:xfrm>
-            <a:off x="1524000" y="591015"/>
-            <a:ext cx="9144000" cy="1009185"/>
+            <a:off x="1524000" y="447178"/>
+            <a:ext cx="9144000" cy="653472"/>
           </a:xfrm>
         </p:spPr>
         <p:txBody>
@@ -4459,76 +4454,72 @@
           <a:p>
             <a:pPr algn="ctr"/>
             <a:r>
-              <a:rPr lang="en-US" sz="5400" dirty="0"/>
+              <a:rPr lang="en-US" sz="4400" dirty="0"/>
               <a:t>Challenges</a:t>
             </a:r>
           </a:p>
         </p:txBody>
       </p:sp>
-      <p:sp>
-        <p:nvSpPr>
-          <p:cNvPr id="3" name="Subtitle 2">
+      <p:pic>
+        <p:nvPicPr>
+          <p:cNvPr id="4" name="Picture 3">
             <a:extLst>
               <a:ext uri="{FF2B5EF4-FFF2-40B4-BE49-F238E27FC236}">
-                <a16:creationId xmlns:a16="http://schemas.microsoft.com/office/drawing/2014/main" id="{595270AD-1603-42E0-8047-F309841CA3AA}"/>
+                <a16:creationId xmlns:a16="http://schemas.microsoft.com/office/drawing/2014/main" id="{C6195DC1-7707-4AF7-BC8E-6808C96D6F6A}"/>
               </a:ext>
             </a:extLst>
           </p:cNvPr>
-          <p:cNvSpPr>
-            <a:spLocks noGrp="1"/>
-          </p:cNvSpPr>
-          <p:nvPr>
-            <p:ph type="subTitle" idx="1"/>
-          </p:nvPr>
-        </p:nvSpPr>
-        <p:spPr>
-          <a:xfrm>
-            <a:off x="1524000" y="2407912"/>
-            <a:ext cx="9144000" cy="2266829"/>
-          </a:xfrm>
-        </p:spPr>
-        <p:txBody>
-          <a:bodyPr/>
-          <a:lstStyle/>
-          <a:p>
-            <a:pPr marL="342900" indent="-342900" algn="ctr">
-              <a:buAutoNum type="arabicPeriod"/>
-            </a:pPr>
-            <a:r>
-              <a:rPr lang="en-US" sz="2000" dirty="0"/>
-              <a:t>Can  not use the </a:t>
-            </a:r>
-            <a:r>
-              <a:rPr lang="en-US" sz="2000" dirty="0" err="1"/>
-              <a:t>figsize</a:t>
-            </a:r>
-            <a:r>
-              <a:rPr lang="en-US" sz="2000" dirty="0"/>
-              <a:t> to change the size of </a:t>
-            </a:r>
-            <a:r>
-              <a:rPr lang="en-US" sz="2000" dirty="0" err="1"/>
-              <a:t>catplot</a:t>
-            </a:r>
-            <a:endParaRPr lang="en-US" sz="2000" dirty="0"/>
-          </a:p>
-          <a:p>
-            <a:pPr marL="342900" indent="-342900" algn="ctr">
-              <a:buAutoNum type="arabicPeriod"/>
-            </a:pPr>
-            <a:r>
-              <a:rPr lang="en-US" sz="2000" dirty="0"/>
-              <a:t>How to drew the geography to show to the income</a:t>
-            </a:r>
-          </a:p>
-          <a:p>
-            <a:pPr marL="457200" indent="-457200" algn="l">
-              <a:buAutoNum type="arabicPeriod"/>
-            </a:pPr>
-            <a:endParaRPr lang="en-US" dirty="0"/>
-          </a:p>
-        </p:txBody>
-      </p:sp>
+          <p:cNvPicPr>
+            <a:picLocks noChangeAspect="1"/>
+          </p:cNvPicPr>
+          <p:nvPr/>
+        </p:nvPicPr>
+        <p:blipFill>
+          <a:blip r:embed="rId2"/>
+          <a:stretch>
+            <a:fillRect/>
+          </a:stretch>
+        </p:blipFill>
+        <p:spPr>
+          <a:xfrm>
+            <a:off x="380145" y="1226243"/>
+            <a:ext cx="5157626" cy="4506738"/>
+          </a:xfrm>
+          <a:prstGeom prst="rect">
+            <a:avLst/>
+          </a:prstGeom>
+        </p:spPr>
+      </p:pic>
+      <p:pic>
+        <p:nvPicPr>
+          <p:cNvPr id="6" name="Picture 5">
+            <a:extLst>
+              <a:ext uri="{FF2B5EF4-FFF2-40B4-BE49-F238E27FC236}">
+                <a16:creationId xmlns:a16="http://schemas.microsoft.com/office/drawing/2014/main" id="{1FBDB60A-5274-4F3F-9E3F-4AB23A70B3B4}"/>
+              </a:ext>
+            </a:extLst>
+          </p:cNvPr>
+          <p:cNvPicPr>
+            <a:picLocks noChangeAspect="1"/>
+          </p:cNvPicPr>
+          <p:nvPr/>
+        </p:nvPicPr>
+        <p:blipFill>
+          <a:blip r:embed="rId3"/>
+          <a:stretch>
+            <a:fillRect/>
+          </a:stretch>
+        </p:blipFill>
+        <p:spPr>
+          <a:xfrm>
+            <a:off x="5808568" y="1238004"/>
+            <a:ext cx="5955508" cy="4494975"/>
+          </a:xfrm>
+          <a:prstGeom prst="rect">
+            <a:avLst/>
+          </a:prstGeom>
+        </p:spPr>
+      </p:pic>
     </p:spTree>
     <p:extLst>
       <p:ext uri="{BB962C8B-B14F-4D97-AF65-F5344CB8AC3E}">
@@ -4543,6 +4534,144 @@
 </file>
 
 <file path=ppt/slides/slide13.xml><?xml version="1.0" encoding="utf-8"?>
+<p:sld xmlns:a="http://schemas.openxmlformats.org/drawingml/2006/main" xmlns:r="http://schemas.openxmlformats.org/officeDocument/2006/relationships" xmlns:p="http://schemas.openxmlformats.org/presentationml/2006/main">
+  <p:cSld>
+    <p:spTree>
+      <p:nvGrpSpPr>
+        <p:cNvPr id="1" name=""/>
+        <p:cNvGrpSpPr/>
+        <p:nvPr/>
+      </p:nvGrpSpPr>
+      <p:grpSpPr>
+        <a:xfrm>
+          <a:off x="0" y="0"/>
+          <a:ext cx="0" cy="0"/>
+          <a:chOff x="0" y="0"/>
+          <a:chExt cx="0" cy="0"/>
+        </a:xfrm>
+      </p:grpSpPr>
+      <p:sp>
+        <p:nvSpPr>
+          <p:cNvPr id="2" name="Title 1">
+            <a:extLst>
+              <a:ext uri="{FF2B5EF4-FFF2-40B4-BE49-F238E27FC236}">
+                <a16:creationId xmlns:a16="http://schemas.microsoft.com/office/drawing/2014/main" id="{27DA670C-9C99-49F2-A76F-4CBCD5AB4275}"/>
+              </a:ext>
+            </a:extLst>
+          </p:cNvPr>
+          <p:cNvSpPr>
+            <a:spLocks noGrp="1"/>
+          </p:cNvSpPr>
+          <p:nvPr>
+            <p:ph type="ctrTitle"/>
+          </p:nvPr>
+        </p:nvSpPr>
+        <p:spPr>
+          <a:xfrm>
+            <a:off x="1524000" y="447178"/>
+            <a:ext cx="9144000" cy="653472"/>
+          </a:xfrm>
+        </p:spPr>
+        <p:txBody>
+          <a:bodyPr>
+            <a:normAutofit/>
+          </a:bodyPr>
+          <a:lstStyle/>
+          <a:p>
+            <a:pPr algn="ctr"/>
+            <a:r>
+              <a:rPr lang="en-US" sz="4400" dirty="0"/>
+              <a:t>Challenges</a:t>
+            </a:r>
+          </a:p>
+        </p:txBody>
+      </p:sp>
+      <p:pic>
+        <p:nvPicPr>
+          <p:cNvPr id="5" name="Picture 4" descr="A screenshot of a social media post&#10;&#10;Description automatically generated">
+            <a:extLst>
+              <a:ext uri="{FF2B5EF4-FFF2-40B4-BE49-F238E27FC236}">
+                <a16:creationId xmlns:a16="http://schemas.microsoft.com/office/drawing/2014/main" id="{3A526293-BD6F-4F78-BA75-F02321CFC052}"/>
+              </a:ext>
+            </a:extLst>
+          </p:cNvPr>
+          <p:cNvPicPr>
+            <a:picLocks noChangeAspect="1"/>
+          </p:cNvPicPr>
+          <p:nvPr/>
+        </p:nvPicPr>
+        <p:blipFill>
+          <a:blip r:embed="rId2">
+            <a:extLst>
+              <a:ext uri="{28A0092B-C50C-407E-A947-70E740481C1C}">
+                <a14:useLocalDpi xmlns:a14="http://schemas.microsoft.com/office/drawing/2010/main" val="0"/>
+              </a:ext>
+            </a:extLst>
+          </a:blip>
+          <a:stretch>
+            <a:fillRect/>
+          </a:stretch>
+        </p:blipFill>
+        <p:spPr>
+          <a:xfrm>
+            <a:off x="359918" y="1266397"/>
+            <a:ext cx="7715138" cy="4244875"/>
+          </a:xfrm>
+          <a:prstGeom prst="rect">
+            <a:avLst/>
+          </a:prstGeom>
+        </p:spPr>
+      </p:pic>
+      <p:pic>
+        <p:nvPicPr>
+          <p:cNvPr id="8" name="Picture 7" descr="A screenshot of a cell phone&#10;&#10;Description automatically generated">
+            <a:extLst>
+              <a:ext uri="{FF2B5EF4-FFF2-40B4-BE49-F238E27FC236}">
+                <a16:creationId xmlns:a16="http://schemas.microsoft.com/office/drawing/2014/main" id="{9CDDF88B-6923-428E-97F5-9C84A6710D71}"/>
+              </a:ext>
+            </a:extLst>
+          </p:cNvPr>
+          <p:cNvPicPr>
+            <a:picLocks noChangeAspect="1"/>
+          </p:cNvPicPr>
+          <p:nvPr/>
+        </p:nvPicPr>
+        <p:blipFill>
+          <a:blip r:embed="rId3">
+            <a:extLst>
+              <a:ext uri="{28A0092B-C50C-407E-A947-70E740481C1C}">
+                <a14:useLocalDpi xmlns:a14="http://schemas.microsoft.com/office/drawing/2010/main" val="0"/>
+              </a:ext>
+            </a:extLst>
+          </a:blip>
+          <a:stretch>
+            <a:fillRect/>
+          </a:stretch>
+        </p:blipFill>
+        <p:spPr>
+          <a:xfrm>
+            <a:off x="5478082" y="1619397"/>
+            <a:ext cx="6522431" cy="4791425"/>
+          </a:xfrm>
+          <a:prstGeom prst="rect">
+            <a:avLst/>
+          </a:prstGeom>
+        </p:spPr>
+      </p:pic>
+    </p:spTree>
+    <p:extLst>
+      <p:ext uri="{BB962C8B-B14F-4D97-AF65-F5344CB8AC3E}">
+        <p14:creationId xmlns:p14="http://schemas.microsoft.com/office/powerpoint/2010/main" val="3009018468"/>
+      </p:ext>
+    </p:extLst>
+  </p:cSld>
+  <p:clrMapOvr>
+    <a:masterClrMapping/>
+  </p:clrMapOvr>
+</p:sld>
+</file>
+
+<file path=ppt/slides/slide14.xml><?xml version="1.0" encoding="utf-8"?>
 <p:sld xmlns:a="http://schemas.openxmlformats.org/drawingml/2006/main" xmlns:r="http://schemas.openxmlformats.org/officeDocument/2006/relationships" xmlns:p="http://schemas.openxmlformats.org/presentationml/2006/main">
   <p:cSld>
     <p:spTree>
@@ -4836,7 +4965,7 @@
             </a:pPr>
             <a:r>
               <a:rPr lang="en-US" dirty="0"/>
-              <a:t>The income increased every year, and the gap of income in different races is huge, especially between white and American India.</a:t>
+              <a:t>The income increased every year, and the gap of income in different races is huge.</a:t>
             </a:r>
           </a:p>
           <a:p>
@@ -4846,7 +4975,15 @@
             </a:pPr>
             <a:r>
               <a:rPr lang="en-US" dirty="0"/>
-              <a:t>Among different jobs, wages are different.  Miscellaneous managers earn more than 3 times than Nursing;  But for Nursing and retail salespeople, they earn almost the same in New York.</a:t>
+              <a:t>Among different jobs, wages are different </a:t>
+            </a:r>
+            <a:r>
+              <a:rPr lang="en-US" altLang="zh-CN" dirty="0"/>
+              <a:t>obviously</a:t>
+            </a:r>
+            <a:r>
+              <a:rPr lang="en-US" dirty="0"/>
+              <a:t>.  Miscellaneous managers earn more than 3 times than Nursing;  But for Nursing and retail salespeople, they earn almost the same in New York.</a:t>
             </a:r>
             <a:endParaRPr lang="en-US" dirty="0">
               <a:latin typeface="Calibri Light (Headings)"/>
@@ -4860,7 +4997,7 @@
             </a:pPr>
             <a:r>
               <a:rPr lang="en-US" dirty="0"/>
-              <a:t>The total proportion of Housing, transportation and food is more than half which means people can still save money.</a:t>
+              <a:t>The total proportion of our necessary consumption is only 62% which means people also spend much money to enjoy their life and hobbies.</a:t>
             </a:r>
           </a:p>
         </p:txBody>
@@ -4878,7 +5015,7 @@
 </p:sld>
 </file>
 
-<file path=ppt/slides/slide14.xml><?xml version="1.0" encoding="utf-8"?>
+<file path=ppt/slides/slide15.xml><?xml version="1.0" encoding="utf-8"?>
 <p:sld xmlns:a="http://schemas.openxmlformats.org/drawingml/2006/main" xmlns:r="http://schemas.openxmlformats.org/officeDocument/2006/relationships" xmlns:p="http://schemas.openxmlformats.org/presentationml/2006/main">
   <p:cSld>
     <p:bg>
@@ -5823,13 +5960,13 @@
           <a:p>
             <a:r>
               <a:rPr lang="en-US" altLang="zh-CN" sz="2800" dirty="0"/>
-              <a:t>Motivation</a:t>
+              <a:t>1. Motivation</a:t>
             </a:r>
           </a:p>
           <a:p>
             <a:r>
               <a:rPr lang="en-US" altLang="zh-CN" sz="2800" dirty="0"/>
-              <a:t>1. Income:  Race and occupation difference, </a:t>
+              <a:t>2. Income:  Race and occupation difference, </a:t>
             </a:r>
           </a:p>
           <a:p>
@@ -5855,7 +5992,7 @@
           <a:p>
             <a:r>
               <a:rPr lang="en-US" altLang="zh-CN" sz="2800" dirty="0"/>
-              <a:t>2. Expenditure:  Trend in recent years, </a:t>
+              <a:t>3. Expenditure:  Trend in recent years, </a:t>
             </a:r>
           </a:p>
           <a:p>
@@ -5871,13 +6008,21 @@
           <a:p>
             <a:r>
               <a:rPr lang="en-US" altLang="zh-CN" sz="2800" dirty="0"/>
-              <a:t>3. Conclusion</a:t>
-            </a:r>
-          </a:p>
-          <a:p>
+              <a:t>4.</a:t>
+            </a:r>
+            <a:r>
+              <a:rPr lang="zh-CN" altLang="en-US" sz="2800" dirty="0"/>
+              <a:t> </a:t>
+            </a:r>
             <a:r>
               <a:rPr lang="en-US" altLang="zh-CN" sz="2800" dirty="0"/>
-              <a:t>(challenges we met)</a:t>
+              <a:t>Challenges </a:t>
+            </a:r>
+          </a:p>
+          <a:p>
+            <a:r>
+              <a:rPr lang="en-US" altLang="zh-CN" sz="2800" dirty="0"/>
+              <a:t>5. Conclusion</a:t>
             </a:r>
           </a:p>
         </p:txBody>
@@ -7530,6 +7675,10 @@
           <a:p>
             <a:pPr algn="ctr"/>
             <a:r>
+              <a:rPr lang="en-US" altLang="zh-CN" sz="4000" dirty="0"/>
+              <a:t>Expense </a:t>
+            </a:r>
+            <a:r>
               <a:rPr lang="en-US" sz="4000" dirty="0"/>
               <a:t>trend in recent years</a:t>
             </a:r>
@@ -7558,7 +7707,7 @@
         </p:blipFill>
         <p:spPr>
           <a:xfrm>
-            <a:off x="640237" y="1140434"/>
+            <a:off x="578593" y="1232901"/>
             <a:ext cx="11131509" cy="4970064"/>
           </a:xfrm>
           <a:prstGeom prst="rect">
